--- a/presentation/project.pptx
+++ b/presentation/project.pptx
@@ -5,7 +5,7 @@
     <p:sldMasterId id="2147483648" r:id="rId1"/>
   </p:sldMasterIdLst>
   <p:notesMasterIdLst>
-    <p:notesMasterId r:id="rId28"/>
+    <p:notesMasterId r:id="rId33"/>
   </p:notesMasterIdLst>
   <p:sldIdLst>
     <p:sldId id="256" r:id="rId2"/>
@@ -34,6 +34,11 @@
     <p:sldId id="279" r:id="rId25"/>
     <p:sldId id="280" r:id="rId26"/>
     <p:sldId id="281" r:id="rId27"/>
+    <p:sldId id="287" r:id="rId28"/>
+    <p:sldId id="288" r:id="rId29"/>
+    <p:sldId id="284" r:id="rId30"/>
+    <p:sldId id="285" r:id="rId31"/>
+    <p:sldId id="286" r:id="rId32"/>
   </p:sldIdLst>
   <p:sldSz cx="12192000" cy="6858000"/>
   <p:notesSz cx="6858000" cy="9144000"/>
@@ -222,7 +227,7 @@
           <a:p>
             <a:fld id="{93F0F74C-BD95-46F1-8D97-5EEFCDB6DD81}" type="datetimeFigureOut">
               <a:rPr lang="en-US" smtClean="0"/>
-              <a:t>10/20/2017</a:t>
+              <a:t>11/13/2017</a:t>
             </a:fld>
             <a:endParaRPr lang="en-US"/>
           </a:p>
@@ -1137,7 +1142,7 @@
           <a:p>
             <a:fld id="{B03CA843-FB8B-4221-8360-2D1296444459}" type="datetimeFigureOut">
               <a:rPr lang="en-US" smtClean="0"/>
-              <a:t>10/20/2017</a:t>
+              <a:t>11/13/2017</a:t>
             </a:fld>
             <a:endParaRPr lang="en-US"/>
           </a:p>
@@ -1307,7 +1312,7 @@
           <a:p>
             <a:fld id="{B03CA843-FB8B-4221-8360-2D1296444459}" type="datetimeFigureOut">
               <a:rPr lang="en-US" smtClean="0"/>
-              <a:t>10/20/2017</a:t>
+              <a:t>11/13/2017</a:t>
             </a:fld>
             <a:endParaRPr lang="en-US"/>
           </a:p>
@@ -1487,7 +1492,7 @@
           <a:p>
             <a:fld id="{B03CA843-FB8B-4221-8360-2D1296444459}" type="datetimeFigureOut">
               <a:rPr lang="en-US" smtClean="0"/>
-              <a:t>10/20/2017</a:t>
+              <a:t>11/13/2017</a:t>
             </a:fld>
             <a:endParaRPr lang="en-US"/>
           </a:p>
@@ -1657,7 +1662,7 @@
           <a:p>
             <a:fld id="{B03CA843-FB8B-4221-8360-2D1296444459}" type="datetimeFigureOut">
               <a:rPr lang="en-US" smtClean="0"/>
-              <a:t>10/20/2017</a:t>
+              <a:t>11/13/2017</a:t>
             </a:fld>
             <a:endParaRPr lang="en-US"/>
           </a:p>
@@ -1903,7 +1908,7 @@
           <a:p>
             <a:fld id="{B03CA843-FB8B-4221-8360-2D1296444459}" type="datetimeFigureOut">
               <a:rPr lang="en-US" smtClean="0"/>
-              <a:t>10/20/2017</a:t>
+              <a:t>11/13/2017</a:t>
             </a:fld>
             <a:endParaRPr lang="en-US"/>
           </a:p>
@@ -2135,7 +2140,7 @@
           <a:p>
             <a:fld id="{B03CA843-FB8B-4221-8360-2D1296444459}" type="datetimeFigureOut">
               <a:rPr lang="en-US" smtClean="0"/>
-              <a:t>10/20/2017</a:t>
+              <a:t>11/13/2017</a:t>
             </a:fld>
             <a:endParaRPr lang="en-US"/>
           </a:p>
@@ -2502,7 +2507,7 @@
           <a:p>
             <a:fld id="{B03CA843-FB8B-4221-8360-2D1296444459}" type="datetimeFigureOut">
               <a:rPr lang="en-US" smtClean="0"/>
-              <a:t>10/20/2017</a:t>
+              <a:t>11/13/2017</a:t>
             </a:fld>
             <a:endParaRPr lang="en-US"/>
           </a:p>
@@ -2620,7 +2625,7 @@
           <a:p>
             <a:fld id="{B03CA843-FB8B-4221-8360-2D1296444459}" type="datetimeFigureOut">
               <a:rPr lang="en-US" smtClean="0"/>
-              <a:t>10/20/2017</a:t>
+              <a:t>11/13/2017</a:t>
             </a:fld>
             <a:endParaRPr lang="en-US"/>
           </a:p>
@@ -2715,7 +2720,7 @@
           <a:p>
             <a:fld id="{B03CA843-FB8B-4221-8360-2D1296444459}" type="datetimeFigureOut">
               <a:rPr lang="en-US" smtClean="0"/>
-              <a:t>10/20/2017</a:t>
+              <a:t>11/13/2017</a:t>
             </a:fld>
             <a:endParaRPr lang="en-US"/>
           </a:p>
@@ -2992,7 +2997,7 @@
           <a:p>
             <a:fld id="{B03CA843-FB8B-4221-8360-2D1296444459}" type="datetimeFigureOut">
               <a:rPr lang="en-US" smtClean="0"/>
-              <a:t>10/20/2017</a:t>
+              <a:t>11/13/2017</a:t>
             </a:fld>
             <a:endParaRPr lang="en-US"/>
           </a:p>
@@ -3245,7 +3250,7 @@
           <a:p>
             <a:fld id="{B03CA843-FB8B-4221-8360-2D1296444459}" type="datetimeFigureOut">
               <a:rPr lang="en-US" smtClean="0"/>
-              <a:t>10/20/2017</a:t>
+              <a:t>11/13/2017</a:t>
             </a:fld>
             <a:endParaRPr lang="en-US"/>
           </a:p>
@@ -3458,7 +3463,7 @@
           <a:p>
             <a:fld id="{B03CA843-FB8B-4221-8360-2D1296444459}" type="datetimeFigureOut">
               <a:rPr lang="en-US" smtClean="0"/>
-              <a:t>10/20/2017</a:t>
+              <a:t>11/13/2017</a:t>
             </a:fld>
             <a:endParaRPr lang="en-US"/>
           </a:p>
@@ -5545,11 +5550,11 @@
   <p:clrMapOvr>
     <a:masterClrMapping/>
   </p:clrMapOvr>
-  <mc:AlternateContent xmlns:mc="http://schemas.openxmlformats.org/markup-compatibility/2006">
-    <mc:Choice xmlns:p14="http://schemas.microsoft.com/office/powerpoint/2010/main" Requires="p14">
+  <mc:AlternateContent xmlns:mc="http://schemas.openxmlformats.org/markup-compatibility/2006" xmlns:p14="http://schemas.microsoft.com/office/powerpoint/2010/main">
+    <mc:Choice Requires="p14">
       <p:transition spd="slow" p14:dur="2000"/>
     </mc:Choice>
-    <mc:Fallback>
+    <mc:Fallback xmlns="">
       <p:transition spd="slow"/>
     </mc:Fallback>
   </mc:AlternateContent>
@@ -10443,7 +10448,6 @@
               <a:rPr lang="en-US" dirty="0" smtClean="0"/>
               <a:t>Bundle</a:t>
             </a:r>
-            <a:endParaRPr lang="en-US" dirty="0" smtClean="0"/>
           </a:p>
           <a:p>
             <a:pPr lvl="1"/>
@@ -10465,7 +10469,6 @@
               <a:rPr lang="en-US" dirty="0" smtClean="0"/>
               <a:t>User defined</a:t>
             </a:r>
-            <a:endParaRPr lang="en-US" dirty="0" smtClean="0"/>
           </a:p>
           <a:p>
             <a:pPr lvl="1"/>
@@ -10484,7 +10487,6 @@
               <a:rPr lang="en-US" dirty="0" smtClean="0"/>
               <a:t> Activity **</a:t>
             </a:r>
-            <a:endParaRPr lang="en-US" dirty="0" smtClean="0"/>
           </a:p>
           <a:p>
             <a:pPr lvl="1"/>
@@ -21198,7 +21200,6 @@
               <a:rPr lang="en-US" dirty="0" smtClean="0"/>
               <a:t>1</a:t>
             </a:r>
-            <a:endParaRPr lang="en-US" dirty="0" smtClean="0"/>
           </a:p>
         </p:txBody>
       </p:sp>
@@ -21637,6 +21638,264 @@
     <p:extLst>
       <p:ext uri="{BB962C8B-B14F-4D97-AF65-F5344CB8AC3E}">
         <p14:creationId xmlns:p14="http://schemas.microsoft.com/office/powerpoint/2010/main" val="449175411"/>
+      </p:ext>
+    </p:extLst>
+  </p:cSld>
+  <p:clrMapOvr>
+    <a:masterClrMapping/>
+  </p:clrMapOvr>
+  <p:timing>
+    <p:tnLst>
+      <p:par>
+        <p:cTn id="1" dur="indefinite" restart="never" nodeType="tmRoot"/>
+      </p:par>
+    </p:tnLst>
+  </p:timing>
+</p:sld>
+</file>
+
+<file path=ppt/slides/slide27.xml><?xml version="1.0" encoding="utf-8"?>
+<p:sld xmlns:a="http://schemas.openxmlformats.org/drawingml/2006/main" xmlns:r="http://schemas.openxmlformats.org/officeDocument/2006/relationships" xmlns:p="http://schemas.openxmlformats.org/presentationml/2006/main">
+  <p:cSld>
+    <p:spTree>
+      <p:nvGrpSpPr>
+        <p:cNvPr id="1" name=""/>
+        <p:cNvGrpSpPr/>
+        <p:nvPr/>
+      </p:nvGrpSpPr>
+      <p:grpSpPr>
+        <a:xfrm>
+          <a:off x="0" y="0"/>
+          <a:ext cx="0" cy="0"/>
+          <a:chOff x="0" y="0"/>
+          <a:chExt cx="0" cy="0"/>
+        </a:xfrm>
+      </p:grpSpPr>
+      <p:sp>
+        <p:nvSpPr>
+          <p:cNvPr id="3" name="Content Placeholder 2"/>
+          <p:cNvSpPr>
+            <a:spLocks noGrp="1"/>
+          </p:cNvSpPr>
+          <p:nvPr>
+            <p:ph idx="1"/>
+          </p:nvPr>
+        </p:nvSpPr>
+        <p:spPr/>
+        <p:txBody>
+          <a:bodyPr/>
+          <a:lstStyle/>
+          <a:p>
+            <a:r>
+              <a:rPr lang="en-US" dirty="0" smtClean="0"/>
+              <a:t>Step:</a:t>
+            </a:r>
+          </a:p>
+          <a:p>
+            <a:pPr marL="914400" lvl="1" indent="-457200">
+              <a:buFont typeface="+mj-lt"/>
+              <a:buAutoNum type="arabicPeriod"/>
+            </a:pPr>
+            <a:r>
+              <a:rPr lang="en-US" dirty="0" smtClean="0"/>
+              <a:t>Create new Activity</a:t>
+            </a:r>
+          </a:p>
+          <a:p>
+            <a:pPr marL="914400" lvl="1" indent="-457200">
+              <a:buFont typeface="+mj-lt"/>
+              <a:buAutoNum type="arabicPeriod"/>
+            </a:pPr>
+            <a:endParaRPr lang="en-US" dirty="0" smtClean="0"/>
+          </a:p>
+          <a:p>
+            <a:pPr marL="914400" lvl="1" indent="-457200">
+              <a:buFont typeface="+mj-lt"/>
+              <a:buAutoNum type="arabicPeriod"/>
+            </a:pPr>
+            <a:r>
+              <a:rPr lang="en-US" dirty="0" smtClean="0"/>
+              <a:t>Trigger new activity with </a:t>
+            </a:r>
+            <a:r>
+              <a:rPr lang="en-US" dirty="0" err="1" smtClean="0"/>
+              <a:t>startActivity</a:t>
+            </a:r>
+            <a:r>
+              <a:rPr lang="en-US" dirty="0" smtClean="0"/>
+              <a:t>() function</a:t>
+            </a:r>
+          </a:p>
+        </p:txBody>
+      </p:sp>
+      <p:sp>
+        <p:nvSpPr>
+          <p:cNvPr id="4" name="Title 1"/>
+          <p:cNvSpPr>
+            <a:spLocks noGrp="1"/>
+          </p:cNvSpPr>
+          <p:nvPr>
+            <p:ph type="title"/>
+          </p:nvPr>
+        </p:nvSpPr>
+        <p:spPr>
+          <a:xfrm>
+            <a:off x="7173310" y="365125"/>
+            <a:ext cx="4180490" cy="1325563"/>
+          </a:xfrm>
+        </p:spPr>
+        <p:txBody>
+          <a:bodyPr/>
+          <a:lstStyle/>
+          <a:p>
+            <a:pPr algn="r"/>
+            <a:r>
+              <a:rPr lang="en-US" dirty="0" smtClean="0"/>
+              <a:t>Change Activities</a:t>
+            </a:r>
+            <a:endParaRPr lang="en-US" dirty="0"/>
+          </a:p>
+        </p:txBody>
+      </p:sp>
+    </p:spTree>
+    <p:extLst>
+      <p:ext uri="{BB962C8B-B14F-4D97-AF65-F5344CB8AC3E}">
+        <p14:creationId xmlns:p14="http://schemas.microsoft.com/office/powerpoint/2010/main" val="2131763325"/>
+      </p:ext>
+    </p:extLst>
+  </p:cSld>
+  <p:clrMapOvr>
+    <a:masterClrMapping/>
+  </p:clrMapOvr>
+  <p:timing>
+    <p:tnLst>
+      <p:par>
+        <p:cTn id="1" dur="indefinite" restart="never" nodeType="tmRoot"/>
+      </p:par>
+    </p:tnLst>
+  </p:timing>
+</p:sld>
+</file>
+
+<file path=ppt/slides/slide28.xml><?xml version="1.0" encoding="utf-8"?>
+<p:sld xmlns:a="http://schemas.openxmlformats.org/drawingml/2006/main" xmlns:r="http://schemas.openxmlformats.org/officeDocument/2006/relationships" xmlns:p="http://schemas.openxmlformats.org/presentationml/2006/main">
+  <p:cSld>
+    <p:spTree>
+      <p:nvGrpSpPr>
+        <p:cNvPr id="1" name=""/>
+        <p:cNvGrpSpPr/>
+        <p:nvPr/>
+      </p:nvGrpSpPr>
+      <p:grpSpPr>
+        <a:xfrm>
+          <a:off x="0" y="0"/>
+          <a:ext cx="0" cy="0"/>
+          <a:chOff x="0" y="0"/>
+          <a:chExt cx="0" cy="0"/>
+        </a:xfrm>
+      </p:grpSpPr>
+      <p:pic>
+        <p:nvPicPr>
+          <p:cNvPr id="4" name="Picture 3"/>
+          <p:cNvPicPr>
+            <a:picLocks noChangeAspect="1"/>
+          </p:cNvPicPr>
+          <p:nvPr/>
+        </p:nvPicPr>
+        <p:blipFill>
+          <a:blip r:embed="rId2"/>
+          <a:stretch>
+            <a:fillRect/>
+          </a:stretch>
+        </p:blipFill>
+        <p:spPr>
+          <a:xfrm>
+            <a:off x="599418" y="488730"/>
+            <a:ext cx="10425190" cy="5556031"/>
+          </a:xfrm>
+          <a:prstGeom prst="rect">
+            <a:avLst/>
+          </a:prstGeom>
+        </p:spPr>
+      </p:pic>
+    </p:spTree>
+    <p:extLst>
+      <p:ext uri="{BB962C8B-B14F-4D97-AF65-F5344CB8AC3E}">
+        <p14:creationId xmlns:p14="http://schemas.microsoft.com/office/powerpoint/2010/main" val="3450851328"/>
+      </p:ext>
+    </p:extLst>
+  </p:cSld>
+  <p:clrMapOvr>
+    <a:masterClrMapping/>
+  </p:clrMapOvr>
+  <p:timing>
+    <p:tnLst>
+      <p:par>
+        <p:cTn id="1" dur="indefinite" restart="never" nodeType="tmRoot"/>
+      </p:par>
+    </p:tnLst>
+  </p:timing>
+</p:sld>
+</file>
+
+<file path=ppt/slides/slide29.xml><?xml version="1.0" encoding="utf-8"?>
+<p:sld xmlns:a="http://schemas.openxmlformats.org/drawingml/2006/main" xmlns:r="http://schemas.openxmlformats.org/officeDocument/2006/relationships" xmlns:p="http://schemas.openxmlformats.org/presentationml/2006/main">
+  <p:cSld>
+    <p:spTree>
+      <p:nvGrpSpPr>
+        <p:cNvPr id="1" name=""/>
+        <p:cNvGrpSpPr/>
+        <p:nvPr/>
+      </p:nvGrpSpPr>
+      <p:grpSpPr>
+        <a:xfrm>
+          <a:off x="0" y="0"/>
+          <a:ext cx="0" cy="0"/>
+          <a:chOff x="0" y="0"/>
+          <a:chExt cx="0" cy="0"/>
+        </a:xfrm>
+      </p:grpSpPr>
+      <p:sp>
+        <p:nvSpPr>
+          <p:cNvPr id="2" name="Title 1"/>
+          <p:cNvSpPr>
+            <a:spLocks noGrp="1"/>
+          </p:cNvSpPr>
+          <p:nvPr>
+            <p:ph type="title"/>
+          </p:nvPr>
+        </p:nvSpPr>
+        <p:spPr>
+          <a:xfrm>
+            <a:off x="3468414" y="365125"/>
+            <a:ext cx="7885386" cy="1325563"/>
+          </a:xfrm>
+        </p:spPr>
+        <p:txBody>
+          <a:bodyPr/>
+          <a:lstStyle/>
+          <a:p>
+            <a:pPr algn="r"/>
+            <a:r>
+              <a:rPr lang="en-US" dirty="0" smtClean="0"/>
+              <a:t>Exchange Data </a:t>
+            </a:r>
+            <a:r>
+              <a:rPr lang="en-US" dirty="0" smtClean="0"/>
+              <a:t>between </a:t>
+            </a:r>
+            <a:r>
+              <a:rPr lang="en-US" dirty="0" smtClean="0"/>
+              <a:t>Activities</a:t>
+            </a:r>
+            <a:endParaRPr lang="en-US" dirty="0"/>
+          </a:p>
+        </p:txBody>
+      </p:sp>
+    </p:spTree>
+    <p:extLst>
+      <p:ext uri="{BB962C8B-B14F-4D97-AF65-F5344CB8AC3E}">
+        <p14:creationId xmlns:p14="http://schemas.microsoft.com/office/powerpoint/2010/main" val="3731063316"/>
       </p:ext>
     </p:extLst>
   </p:cSld>
@@ -21975,6 +22234,132 @@
       </p:par>
     </p:tnLst>
   </p:timing>
+</p:sld>
+</file>
+
+<file path=ppt/slides/slide30.xml><?xml version="1.0" encoding="utf-8"?>
+<p:sld xmlns:a="http://schemas.openxmlformats.org/drawingml/2006/main" xmlns:r="http://schemas.openxmlformats.org/officeDocument/2006/relationships" xmlns:p="http://schemas.openxmlformats.org/presentationml/2006/main">
+  <p:cSld>
+    <p:spTree>
+      <p:nvGrpSpPr>
+        <p:cNvPr id="1" name=""/>
+        <p:cNvGrpSpPr/>
+        <p:nvPr/>
+      </p:nvGrpSpPr>
+      <p:grpSpPr>
+        <a:xfrm>
+          <a:off x="0" y="0"/>
+          <a:ext cx="0" cy="0"/>
+          <a:chOff x="0" y="0"/>
+          <a:chExt cx="0" cy="0"/>
+        </a:xfrm>
+      </p:grpSpPr>
+      <p:sp>
+        <p:nvSpPr>
+          <p:cNvPr id="2" name="Title 1"/>
+          <p:cNvSpPr>
+            <a:spLocks noGrp="1"/>
+          </p:cNvSpPr>
+          <p:nvPr>
+            <p:ph type="title"/>
+          </p:nvPr>
+        </p:nvSpPr>
+        <p:spPr>
+          <a:xfrm>
+            <a:off x="7078716" y="365125"/>
+            <a:ext cx="4275083" cy="1325563"/>
+          </a:xfrm>
+        </p:spPr>
+        <p:txBody>
+          <a:bodyPr/>
+          <a:lstStyle/>
+          <a:p>
+            <a:pPr algn="r"/>
+            <a:r>
+              <a:rPr lang="en-US" dirty="0" err="1" smtClean="0"/>
+              <a:t>Asynctask</a:t>
+            </a:r>
+            <a:r>
+              <a:rPr lang="en-US" dirty="0" smtClean="0"/>
+              <a:t> Activity</a:t>
+            </a:r>
+            <a:endParaRPr lang="en-US" dirty="0"/>
+          </a:p>
+        </p:txBody>
+      </p:sp>
+    </p:spTree>
+    <p:extLst>
+      <p:ext uri="{BB962C8B-B14F-4D97-AF65-F5344CB8AC3E}">
+        <p14:creationId xmlns:p14="http://schemas.microsoft.com/office/powerpoint/2010/main" val="1863725171"/>
+      </p:ext>
+    </p:extLst>
+  </p:cSld>
+  <p:clrMapOvr>
+    <a:masterClrMapping/>
+  </p:clrMapOvr>
+</p:sld>
+</file>
+
+<file path=ppt/slides/slide31.xml><?xml version="1.0" encoding="utf-8"?>
+<p:sld xmlns:a="http://schemas.openxmlformats.org/drawingml/2006/main" xmlns:r="http://schemas.openxmlformats.org/officeDocument/2006/relationships" xmlns:p="http://schemas.openxmlformats.org/presentationml/2006/main">
+  <p:cSld>
+    <p:spTree>
+      <p:nvGrpSpPr>
+        <p:cNvPr id="1" name=""/>
+        <p:cNvGrpSpPr/>
+        <p:nvPr/>
+      </p:nvGrpSpPr>
+      <p:grpSpPr>
+        <a:xfrm>
+          <a:off x="0" y="0"/>
+          <a:ext cx="0" cy="0"/>
+          <a:chOff x="0" y="0"/>
+          <a:chExt cx="0" cy="0"/>
+        </a:xfrm>
+      </p:grpSpPr>
+      <p:sp>
+        <p:nvSpPr>
+          <p:cNvPr id="2" name="Title 1"/>
+          <p:cNvSpPr>
+            <a:spLocks noGrp="1"/>
+          </p:cNvSpPr>
+          <p:nvPr>
+            <p:ph type="title"/>
+          </p:nvPr>
+        </p:nvSpPr>
+        <p:spPr>
+          <a:xfrm>
+            <a:off x="4382814" y="365125"/>
+            <a:ext cx="6970986" cy="1325563"/>
+          </a:xfrm>
+        </p:spPr>
+        <p:txBody>
+          <a:bodyPr/>
+          <a:lstStyle/>
+          <a:p>
+            <a:pPr algn="r"/>
+            <a:r>
+              <a:rPr lang="en-US" dirty="0" smtClean="0"/>
+              <a:t>Exchange Data with </a:t>
+            </a:r>
+            <a:r>
+              <a:rPr lang="en-US" dirty="0" err="1" smtClean="0"/>
+              <a:t>Asynctask</a:t>
+            </a:r>
+            <a:endParaRPr lang="en-US" dirty="0"/>
+          </a:p>
+        </p:txBody>
+      </p:sp>
+    </p:spTree>
+    <p:extLst>
+      <p:ext uri="{BB962C8B-B14F-4D97-AF65-F5344CB8AC3E}">
+        <p14:creationId xmlns:p14="http://schemas.microsoft.com/office/powerpoint/2010/main" val="1754578422"/>
+      </p:ext>
+    </p:extLst>
+  </p:cSld>
+  <p:clrMapOvr>
+    <a:masterClrMapping/>
+  </p:clrMapOvr>
 </p:sld>
 </file>
 
@@ -22864,11 +23249,11 @@
   <p:clrMapOvr>
     <a:masterClrMapping/>
   </p:clrMapOvr>
-  <mc:AlternateContent xmlns:mc="http://schemas.openxmlformats.org/markup-compatibility/2006">
-    <mc:Choice xmlns:p14="http://schemas.microsoft.com/office/powerpoint/2010/main" Requires="p14">
+  <mc:AlternateContent xmlns:mc="http://schemas.openxmlformats.org/markup-compatibility/2006" xmlns:p14="http://schemas.microsoft.com/office/powerpoint/2010/main">
+    <mc:Choice Requires="p14">
       <p:transition spd="slow" p14:dur="2000"/>
     </mc:Choice>
-    <mc:Fallback>
+    <mc:Fallback xmlns="">
       <p:transition spd="slow"/>
     </mc:Fallback>
   </mc:AlternateContent>
